--- a/Iowa-Liquor-Sales-Project.pptx
+++ b/Iowa-Liquor-Sales-Project.pptx
@@ -21,7 +21,9 @@
     <p:sldId id="288" r:id="rId15"/>
     <p:sldId id="291" r:id="rId16"/>
     <p:sldId id="292" r:id="rId17"/>
-    <p:sldId id="271" r:id="rId18"/>
+    <p:sldId id="293" r:id="rId18"/>
+    <p:sldId id="294" r:id="rId19"/>
+    <p:sldId id="271" r:id="rId20"/>
   </p:sldIdLst>
   <p:sldSz cx="12192000" cy="6858000"/>
   <p:notesSz cx="6858000" cy="9144000"/>
@@ -354,7 +356,7 @@
           <a:p>
             <a:fld id="{3064EE62-ECEF-41AE-9F67-44CA13249033}" type="datetimeFigureOut">
               <a:rPr lang="en-ID" smtClean="0"/>
-              <a:t>10/07/2022</a:t>
+              <a:t>11/07/2022</a:t>
             </a:fld>
             <a:endParaRPr lang="en-ID"/>
           </a:p>
@@ -562,7 +564,7 @@
           <a:p>
             <a:fld id="{3064EE62-ECEF-41AE-9F67-44CA13249033}" type="datetimeFigureOut">
               <a:rPr lang="en-ID" smtClean="0"/>
-              <a:t>10/07/2022</a:t>
+              <a:t>11/07/2022</a:t>
             </a:fld>
             <a:endParaRPr lang="en-ID"/>
           </a:p>
@@ -818,7 +820,7 @@
           <a:p>
             <a:fld id="{3064EE62-ECEF-41AE-9F67-44CA13249033}" type="datetimeFigureOut">
               <a:rPr lang="en-ID" smtClean="0"/>
-              <a:t>10/07/2022</a:t>
+              <a:t>11/07/2022</a:t>
             </a:fld>
             <a:endParaRPr lang="en-ID"/>
           </a:p>
@@ -988,7 +990,7 @@
           <a:p>
             <a:fld id="{3064EE62-ECEF-41AE-9F67-44CA13249033}" type="datetimeFigureOut">
               <a:rPr lang="en-ID" smtClean="0"/>
-              <a:t>10/07/2022</a:t>
+              <a:t>11/07/2022</a:t>
             </a:fld>
             <a:endParaRPr lang="en-ID"/>
           </a:p>
@@ -1331,7 +1333,7 @@
           <a:p>
             <a:fld id="{3064EE62-ECEF-41AE-9F67-44CA13249033}" type="datetimeFigureOut">
               <a:rPr lang="en-ID" smtClean="0"/>
-              <a:t>10/07/2022</a:t>
+              <a:t>11/07/2022</a:t>
             </a:fld>
             <a:endParaRPr lang="en-ID"/>
           </a:p>
@@ -1606,7 +1608,7 @@
           <a:p>
             <a:fld id="{3064EE62-ECEF-41AE-9F67-44CA13249033}" type="datetimeFigureOut">
               <a:rPr lang="en-ID" smtClean="0"/>
-              <a:t>10/07/2022</a:t>
+              <a:t>11/07/2022</a:t>
             </a:fld>
             <a:endParaRPr lang="en-ID"/>
           </a:p>
@@ -1985,7 +1987,7 @@
           <a:p>
             <a:fld id="{3064EE62-ECEF-41AE-9F67-44CA13249033}" type="datetimeFigureOut">
               <a:rPr lang="en-ID" smtClean="0"/>
-              <a:t>10/07/2022</a:t>
+              <a:t>11/07/2022</a:t>
             </a:fld>
             <a:endParaRPr lang="en-ID"/>
           </a:p>
@@ -2103,7 +2105,7 @@
           <a:p>
             <a:fld id="{3064EE62-ECEF-41AE-9F67-44CA13249033}" type="datetimeFigureOut">
               <a:rPr lang="en-ID" smtClean="0"/>
-              <a:t>10/07/2022</a:t>
+              <a:t>11/07/2022</a:t>
             </a:fld>
             <a:endParaRPr lang="en-ID"/>
           </a:p>
@@ -2274,7 +2276,7 @@
           <a:p>
             <a:fld id="{3064EE62-ECEF-41AE-9F67-44CA13249033}" type="datetimeFigureOut">
               <a:rPr lang="en-ID" smtClean="0"/>
-              <a:t>10/07/2022</a:t>
+              <a:t>11/07/2022</a:t>
             </a:fld>
             <a:endParaRPr lang="en-ID"/>
           </a:p>
@@ -2628,7 +2630,7 @@
           <a:p>
             <a:fld id="{3064EE62-ECEF-41AE-9F67-44CA13249033}" type="datetimeFigureOut">
               <a:rPr lang="en-ID" smtClean="0"/>
-              <a:t>10/07/2022</a:t>
+              <a:t>11/07/2022</a:t>
             </a:fld>
             <a:endParaRPr lang="en-ID"/>
           </a:p>
@@ -3005,7 +3007,7 @@
           <a:p>
             <a:fld id="{3064EE62-ECEF-41AE-9F67-44CA13249033}" type="datetimeFigureOut">
               <a:rPr lang="en-ID" smtClean="0"/>
-              <a:t>10/07/2022</a:t>
+              <a:t>11/07/2022</a:t>
             </a:fld>
             <a:endParaRPr lang="en-ID"/>
           </a:p>
@@ -3292,7 +3294,7 @@
           <a:p>
             <a:fld id="{3064EE62-ECEF-41AE-9F67-44CA13249033}" type="datetimeFigureOut">
               <a:rPr lang="en-ID" smtClean="0"/>
-              <a:t>10/07/2022</a:t>
+              <a:t>11/07/2022</a:t>
             </a:fld>
             <a:endParaRPr lang="en-ID"/>
           </a:p>
@@ -6079,8 +6081,8 @@
         </p:nvSpPr>
         <p:spPr>
           <a:xfrm>
-            <a:off x="7630886" y="2152675"/>
-            <a:ext cx="4332514" cy="2862322"/>
+            <a:off x="7695431" y="2174190"/>
+            <a:ext cx="3750705" cy="3416320"/>
           </a:xfrm>
           <a:prstGeom prst="rect">
             <a:avLst/>
@@ -6228,7 +6230,7 @@
         </p:blipFill>
         <p:spPr>
           <a:xfrm>
-            <a:off x="478972" y="2022046"/>
+            <a:off x="712237" y="2011289"/>
             <a:ext cx="6829494" cy="3975982"/>
           </a:xfrm>
           <a:prstGeom prst="rect">
@@ -6524,7 +6526,7 @@
         </p:blipFill>
         <p:spPr>
           <a:xfrm>
-            <a:off x="6401580" y="1580133"/>
+            <a:off x="6476883" y="1576534"/>
             <a:ext cx="4216797" cy="3291529"/>
           </a:xfrm>
           <a:prstGeom prst="rect">
@@ -6554,7 +6556,7 @@
         </p:blipFill>
         <p:spPr>
           <a:xfrm>
-            <a:off x="1188846" y="1561083"/>
+            <a:off x="1261115" y="1576364"/>
             <a:ext cx="5021454" cy="3291529"/>
           </a:xfrm>
           <a:prstGeom prst="rect">
@@ -6649,60 +6651,6 @@
       </p:sp>
       <p:sp>
         <p:nvSpPr>
-          <p:cNvPr id="9" name="Rectangle 8">
-            <a:extLst>
-              <a:ext uri="{FF2B5EF4-FFF2-40B4-BE49-F238E27FC236}">
-                <a16:creationId xmlns:a16="http://schemas.microsoft.com/office/drawing/2014/main" id="{9E9EAC38-27F9-405D-CB79-0A2FB40169AD}"/>
-              </a:ext>
-            </a:extLst>
-          </p:cNvPr>
-          <p:cNvSpPr/>
-          <p:nvPr/>
-        </p:nvSpPr>
-        <p:spPr>
-          <a:xfrm>
-            <a:off x="1066800" y="1561083"/>
-            <a:ext cx="10287000" cy="372377"/>
-          </a:xfrm>
-          <a:prstGeom prst="rect">
-            <a:avLst/>
-          </a:prstGeom>
-          <a:solidFill>
-            <a:schemeClr val="bg1"/>
-          </a:solidFill>
-          <a:ln>
-            <a:solidFill>
-              <a:schemeClr val="bg1"/>
-            </a:solidFill>
-          </a:ln>
-        </p:spPr>
-        <p:style>
-          <a:lnRef idx="2">
-            <a:schemeClr val="accent1">
-              <a:shade val="50000"/>
-            </a:schemeClr>
-          </a:lnRef>
-          <a:fillRef idx="1">
-            <a:schemeClr val="accent1"/>
-          </a:fillRef>
-          <a:effectRef idx="0">
-            <a:schemeClr val="accent1"/>
-          </a:effectRef>
-          <a:fontRef idx="minor">
-            <a:schemeClr val="lt1"/>
-          </a:fontRef>
-        </p:style>
-        <p:txBody>
-          <a:bodyPr rtlCol="0" anchor="ctr"/>
-          <a:lstStyle/>
-          <a:p>
-            <a:pPr algn="ctr"/>
-            <a:endParaRPr lang="en-ID"/>
-          </a:p>
-        </p:txBody>
-      </p:sp>
-      <p:sp>
-        <p:nvSpPr>
           <p:cNvPr id="11" name="TextBox 10">
             <a:extLst>
               <a:ext uri="{FF2B5EF4-FFF2-40B4-BE49-F238E27FC236}">
@@ -6716,7 +6664,7 @@
         <p:spPr>
           <a:xfrm>
             <a:off x="7010400" y="1933460"/>
-            <a:ext cx="4572000" cy="2862322"/>
+            <a:ext cx="4338918" cy="2862322"/>
           </a:xfrm>
           <a:prstGeom prst="rect">
             <a:avLst/>
@@ -6823,10 +6771,10 @@
       </p:sp>
       <p:pic>
         <p:nvPicPr>
-          <p:cNvPr id="4" name="Picture 3">
+          <p:cNvPr id="3" name="Picture 2">
             <a:extLst>
               <a:ext uri="{FF2B5EF4-FFF2-40B4-BE49-F238E27FC236}">
-                <a16:creationId xmlns:a16="http://schemas.microsoft.com/office/drawing/2014/main" id="{23113242-330F-498C-88D4-AC2EA7DF3946}"/>
+                <a16:creationId xmlns:a16="http://schemas.microsoft.com/office/drawing/2014/main" id="{3660BAEA-E404-415F-3B07-0B954949C5B0}"/>
               </a:ext>
             </a:extLst>
           </p:cNvPr>
@@ -6843,17 +6791,15 @@
         </p:blipFill>
         <p:spPr>
           <a:xfrm>
-            <a:off x="838200" y="1933460"/>
-            <a:ext cx="5799323" cy="3596952"/>
+            <a:off x="1244081" y="1936032"/>
+            <a:ext cx="5418290" cy="3696020"/>
           </a:xfrm>
           <a:prstGeom prst="rect">
             <a:avLst/>
           </a:prstGeom>
           <a:ln>
             <a:solidFill>
-              <a:schemeClr val="bg1">
-                <a:lumMod val="50000"/>
-              </a:schemeClr>
+              <a:schemeClr val="tx1"/>
             </a:solidFill>
           </a:ln>
         </p:spPr>
@@ -6872,6 +6818,480 @@
 </file>
 
 <file path=ppt/slides/slide17.xml><?xml version="1.0" encoding="utf-8"?>
+<p:sld xmlns:a="http://schemas.openxmlformats.org/drawingml/2006/main" xmlns:r="http://schemas.openxmlformats.org/officeDocument/2006/relationships" xmlns:p="http://schemas.openxmlformats.org/presentationml/2006/main">
+  <p:cSld>
+    <p:spTree>
+      <p:nvGrpSpPr>
+        <p:cNvPr id="1" name=""/>
+        <p:cNvGrpSpPr/>
+        <p:nvPr/>
+      </p:nvGrpSpPr>
+      <p:grpSpPr>
+        <a:xfrm>
+          <a:off x="0" y="0"/>
+          <a:ext cx="0" cy="0"/>
+          <a:chOff x="0" y="0"/>
+          <a:chExt cx="0" cy="0"/>
+        </a:xfrm>
+      </p:grpSpPr>
+      <p:pic>
+        <p:nvPicPr>
+          <p:cNvPr id="7" name="Picture 6">
+            <a:extLst>
+              <a:ext uri="{FF2B5EF4-FFF2-40B4-BE49-F238E27FC236}">
+                <a16:creationId xmlns:a16="http://schemas.microsoft.com/office/drawing/2014/main" id="{47B8A79F-9337-7392-34A7-EC817CA12DD2}"/>
+              </a:ext>
+            </a:extLst>
+          </p:cNvPr>
+          <p:cNvPicPr>
+            <a:picLocks noChangeAspect="1"/>
+          </p:cNvPicPr>
+          <p:nvPr/>
+        </p:nvPicPr>
+        <p:blipFill>
+          <a:blip r:embed="rId2"/>
+          <a:stretch>
+            <a:fillRect/>
+          </a:stretch>
+        </p:blipFill>
+        <p:spPr>
+          <a:xfrm>
+            <a:off x="1245227" y="1944218"/>
+            <a:ext cx="5808204" cy="4089450"/>
+          </a:xfrm>
+          <a:prstGeom prst="rect">
+            <a:avLst/>
+          </a:prstGeom>
+          <a:ln>
+            <a:solidFill>
+              <a:schemeClr val="tx1"/>
+            </a:solidFill>
+          </a:ln>
+        </p:spPr>
+      </p:pic>
+      <p:sp>
+        <p:nvSpPr>
+          <p:cNvPr id="10" name="Title 1">
+            <a:extLst>
+              <a:ext uri="{FF2B5EF4-FFF2-40B4-BE49-F238E27FC236}">
+                <a16:creationId xmlns:a16="http://schemas.microsoft.com/office/drawing/2014/main" id="{12EE7128-FC01-4709-6F16-E8F70D23158E}"/>
+              </a:ext>
+            </a:extLst>
+          </p:cNvPr>
+          <p:cNvSpPr>
+            <a:spLocks noGrp="1"/>
+          </p:cNvSpPr>
+          <p:nvPr>
+            <p:ph type="title"/>
+          </p:nvPr>
+        </p:nvSpPr>
+        <p:spPr>
+          <a:xfrm>
+            <a:off x="1066800" y="336134"/>
+            <a:ext cx="10058400" cy="760078"/>
+          </a:xfrm>
+        </p:spPr>
+        <p:txBody>
+          <a:bodyPr>
+            <a:normAutofit/>
+          </a:bodyPr>
+          <a:lstStyle/>
+          <a:p>
+            <a:pPr rtl="0">
+              <a:spcBef>
+                <a:spcPts val="0"/>
+              </a:spcBef>
+              <a:spcAft>
+                <a:spcPts val="0"/>
+              </a:spcAft>
+            </a:pPr>
+            <a:r>
+              <a:rPr lang="en-ID" sz="3200" b="0" i="0" u="none" strike="noStrike" dirty="0">
+                <a:solidFill>
+                  <a:schemeClr val="tx1"/>
+                </a:solidFill>
+                <a:effectLst/>
+                <a:latin typeface="+mn-lt"/>
+              </a:rPr>
+              <a:t>Visualization with Insight</a:t>
+            </a:r>
+            <a:endParaRPr lang="en-ID" sz="7200" dirty="0">
+              <a:solidFill>
+                <a:schemeClr val="tx1"/>
+              </a:solidFill>
+              <a:latin typeface="+mn-lt"/>
+            </a:endParaRPr>
+          </a:p>
+        </p:txBody>
+      </p:sp>
+      <p:sp>
+        <p:nvSpPr>
+          <p:cNvPr id="11" name="TextBox 10">
+            <a:extLst>
+              <a:ext uri="{FF2B5EF4-FFF2-40B4-BE49-F238E27FC236}">
+                <a16:creationId xmlns:a16="http://schemas.microsoft.com/office/drawing/2014/main" id="{45B36BE0-B851-73AF-34DC-84B1C9A8F804}"/>
+              </a:ext>
+            </a:extLst>
+          </p:cNvPr>
+          <p:cNvSpPr txBox="1"/>
+          <p:nvPr/>
+        </p:nvSpPr>
+        <p:spPr>
+          <a:xfrm>
+            <a:off x="7373442" y="1944218"/>
+            <a:ext cx="3751758" cy="2031325"/>
+          </a:xfrm>
+          <a:prstGeom prst="rect">
+            <a:avLst/>
+          </a:prstGeom>
+          <a:noFill/>
+        </p:spPr>
+        <p:txBody>
+          <a:bodyPr wrap="square" rtlCol="0">
+            <a:spAutoFit/>
+          </a:bodyPr>
+          <a:lstStyle/>
+          <a:p>
+            <a:pPr marL="285750" indent="-285750">
+              <a:buFont typeface="Arial" panose="020B0604020202020204" pitchFamily="34" charset="0"/>
+              <a:buChar char="•"/>
+            </a:pPr>
+            <a:r>
+              <a:rPr lang="en-US" dirty="0">
+                <a:cs typeface="Times New Roman" panose="02020603050405020304" pitchFamily="18" charset="0"/>
+              </a:rPr>
+              <a:t>Monday was the day with the largest amount of liquor sales reaching 26.7 million dollars and Saturday was the lowest selling day with less than 10 million dollars.</a:t>
+            </a:r>
+          </a:p>
+          <a:p>
+            <a:pPr marL="285750" indent="-285750">
+              <a:buFont typeface="Arial" panose="020B0604020202020204" pitchFamily="34" charset="0"/>
+              <a:buChar char="•"/>
+            </a:pPr>
+            <a:r>
+              <a:rPr lang="en-US" dirty="0">
+                <a:cs typeface="Times New Roman" panose="02020603050405020304" pitchFamily="18" charset="0"/>
+              </a:rPr>
+              <a:t>It can be concluded that liquor sales are fluctuating every day.</a:t>
+            </a:r>
+            <a:endParaRPr lang="en-ID" dirty="0"/>
+          </a:p>
+        </p:txBody>
+      </p:sp>
+      <p:sp>
+        <p:nvSpPr>
+          <p:cNvPr id="6" name="TextBox 5">
+            <a:extLst>
+              <a:ext uri="{FF2B5EF4-FFF2-40B4-BE49-F238E27FC236}">
+                <a16:creationId xmlns:a16="http://schemas.microsoft.com/office/drawing/2014/main" id="{BB8E1531-CA13-B288-D371-150AE9C36A74}"/>
+              </a:ext>
+            </a:extLst>
+          </p:cNvPr>
+          <p:cNvSpPr txBox="1"/>
+          <p:nvPr/>
+        </p:nvSpPr>
+        <p:spPr>
+          <a:xfrm>
+            <a:off x="712237" y="1096212"/>
+            <a:ext cx="5909503" cy="464871"/>
+          </a:xfrm>
+          <a:prstGeom prst="rect">
+            <a:avLst/>
+          </a:prstGeom>
+          <a:noFill/>
+        </p:spPr>
+        <p:txBody>
+          <a:bodyPr wrap="none" rtlCol="0">
+            <a:spAutoFit/>
+          </a:bodyPr>
+          <a:lstStyle/>
+          <a:p>
+            <a:pPr>
+              <a:lnSpc>
+                <a:spcPct val="150000"/>
+              </a:lnSpc>
+            </a:pPr>
+            <a:r>
+              <a:rPr lang="en-US" dirty="0">
+                <a:cs typeface="Times New Roman" panose="02020603050405020304" pitchFamily="18" charset="0"/>
+              </a:rPr>
+              <a:t>4</a:t>
+            </a:r>
+            <a:r>
+              <a:rPr lang="id-ID" dirty="0">
+                <a:cs typeface="Times New Roman" panose="02020603050405020304" pitchFamily="18" charset="0"/>
+              </a:rPr>
+              <a:t>.	</a:t>
+            </a:r>
+            <a:r>
+              <a:rPr lang="en-ID" dirty="0">
+                <a:cs typeface="Times New Roman" panose="02020603050405020304" pitchFamily="18" charset="0"/>
+              </a:rPr>
+              <a:t> At which day in a week most o</a:t>
+            </a:r>
+            <a:r>
+              <a:rPr lang="id-ID" dirty="0">
+                <a:cs typeface="Times New Roman" panose="02020603050405020304" pitchFamily="18" charset="0"/>
+              </a:rPr>
+              <a:t>f</a:t>
+            </a:r>
+            <a:r>
+              <a:rPr lang="en-ID" dirty="0">
+                <a:cs typeface="Times New Roman" panose="02020603050405020304" pitchFamily="18" charset="0"/>
+              </a:rPr>
+              <a:t> customers buy a liquor</a:t>
+            </a:r>
+            <a:r>
+              <a:rPr lang="en-US" dirty="0">
+                <a:cs typeface="Times New Roman" panose="02020603050405020304" pitchFamily="18" charset="0"/>
+              </a:rPr>
+              <a:t>?</a:t>
+            </a:r>
+          </a:p>
+        </p:txBody>
+      </p:sp>
+    </p:spTree>
+    <p:extLst>
+      <p:ext uri="{BB962C8B-B14F-4D97-AF65-F5344CB8AC3E}">
+        <p14:creationId xmlns:p14="http://schemas.microsoft.com/office/powerpoint/2010/main" val="2398462303"/>
+      </p:ext>
+    </p:extLst>
+  </p:cSld>
+  <p:clrMapOvr>
+    <a:masterClrMapping/>
+  </p:clrMapOvr>
+</p:sld>
+</file>
+
+<file path=ppt/slides/slide18.xml><?xml version="1.0" encoding="utf-8"?>
+<p:sld xmlns:a="http://schemas.openxmlformats.org/drawingml/2006/main" xmlns:r="http://schemas.openxmlformats.org/officeDocument/2006/relationships" xmlns:p="http://schemas.openxmlformats.org/presentationml/2006/main">
+  <p:cSld>
+    <p:spTree>
+      <p:nvGrpSpPr>
+        <p:cNvPr id="1" name=""/>
+        <p:cNvGrpSpPr/>
+        <p:nvPr/>
+      </p:nvGrpSpPr>
+      <p:grpSpPr>
+        <a:xfrm>
+          <a:off x="0" y="0"/>
+          <a:ext cx="0" cy="0"/>
+          <a:chOff x="0" y="0"/>
+          <a:chExt cx="0" cy="0"/>
+        </a:xfrm>
+      </p:grpSpPr>
+      <p:sp>
+        <p:nvSpPr>
+          <p:cNvPr id="10" name="Title 1">
+            <a:extLst>
+              <a:ext uri="{FF2B5EF4-FFF2-40B4-BE49-F238E27FC236}">
+                <a16:creationId xmlns:a16="http://schemas.microsoft.com/office/drawing/2014/main" id="{12EE7128-FC01-4709-6F16-E8F70D23158E}"/>
+              </a:ext>
+            </a:extLst>
+          </p:cNvPr>
+          <p:cNvSpPr>
+            <a:spLocks noGrp="1"/>
+          </p:cNvSpPr>
+          <p:nvPr>
+            <p:ph type="title"/>
+          </p:nvPr>
+        </p:nvSpPr>
+        <p:spPr>
+          <a:xfrm>
+            <a:off x="1066800" y="336134"/>
+            <a:ext cx="10058400" cy="760078"/>
+          </a:xfrm>
+        </p:spPr>
+        <p:txBody>
+          <a:bodyPr>
+            <a:normAutofit/>
+          </a:bodyPr>
+          <a:lstStyle/>
+          <a:p>
+            <a:pPr rtl="0">
+              <a:spcBef>
+                <a:spcPts val="0"/>
+              </a:spcBef>
+              <a:spcAft>
+                <a:spcPts val="0"/>
+              </a:spcAft>
+            </a:pPr>
+            <a:r>
+              <a:rPr lang="en-ID" sz="3200" b="0" i="0" u="none" strike="noStrike" dirty="0">
+                <a:solidFill>
+                  <a:schemeClr val="tx1"/>
+                </a:solidFill>
+                <a:effectLst/>
+                <a:latin typeface="+mn-lt"/>
+              </a:rPr>
+              <a:t>Visualization with Insight</a:t>
+            </a:r>
+            <a:endParaRPr lang="en-ID" sz="7200" dirty="0">
+              <a:solidFill>
+                <a:schemeClr val="tx1"/>
+              </a:solidFill>
+              <a:latin typeface="+mn-lt"/>
+            </a:endParaRPr>
+          </a:p>
+        </p:txBody>
+      </p:sp>
+      <p:sp>
+        <p:nvSpPr>
+          <p:cNvPr id="11" name="TextBox 10">
+            <a:extLst>
+              <a:ext uri="{FF2B5EF4-FFF2-40B4-BE49-F238E27FC236}">
+                <a16:creationId xmlns:a16="http://schemas.microsoft.com/office/drawing/2014/main" id="{45B36BE0-B851-73AF-34DC-84B1C9A8F804}"/>
+              </a:ext>
+            </a:extLst>
+          </p:cNvPr>
+          <p:cNvSpPr txBox="1"/>
+          <p:nvPr/>
+        </p:nvSpPr>
+        <p:spPr>
+          <a:xfrm>
+            <a:off x="7010400" y="2088841"/>
+            <a:ext cx="4371191" cy="1754326"/>
+          </a:xfrm>
+          <a:prstGeom prst="rect">
+            <a:avLst/>
+          </a:prstGeom>
+          <a:noFill/>
+        </p:spPr>
+        <p:txBody>
+          <a:bodyPr wrap="square" rtlCol="0">
+            <a:spAutoFit/>
+          </a:bodyPr>
+          <a:lstStyle/>
+          <a:p>
+            <a:pPr marL="285750" indent="-285750">
+              <a:buFont typeface="Arial" panose="020B0604020202020204" pitchFamily="34" charset="0"/>
+              <a:buChar char="•"/>
+            </a:pPr>
+            <a:r>
+              <a:rPr lang="en-US" dirty="0">
+                <a:cs typeface="Times New Roman" panose="02020603050405020304" pitchFamily="18" charset="0"/>
+              </a:rPr>
+              <a:t>When compared, it turns out that liquor sales for the large size are greater than the small size. </a:t>
+            </a:r>
+          </a:p>
+          <a:p>
+            <a:pPr marL="285750" indent="-285750">
+              <a:buFont typeface="Arial" panose="020B0604020202020204" pitchFamily="34" charset="0"/>
+              <a:buChar char="•"/>
+            </a:pPr>
+            <a:r>
+              <a:rPr lang="en-US" dirty="0">
+                <a:cs typeface="Times New Roman" panose="02020603050405020304" pitchFamily="18" charset="0"/>
+              </a:rPr>
+              <a:t>However, the largest sales are obtained from the sale of liquor with medium size, which is 501 ml to 1000 ml.</a:t>
+            </a:r>
+            <a:endParaRPr lang="en-ID" dirty="0"/>
+          </a:p>
+        </p:txBody>
+      </p:sp>
+      <p:sp>
+        <p:nvSpPr>
+          <p:cNvPr id="6" name="TextBox 5">
+            <a:extLst>
+              <a:ext uri="{FF2B5EF4-FFF2-40B4-BE49-F238E27FC236}">
+                <a16:creationId xmlns:a16="http://schemas.microsoft.com/office/drawing/2014/main" id="{BB8E1531-CA13-B288-D371-150AE9C36A74}"/>
+              </a:ext>
+            </a:extLst>
+          </p:cNvPr>
+          <p:cNvSpPr txBox="1"/>
+          <p:nvPr/>
+        </p:nvSpPr>
+        <p:spPr>
+          <a:xfrm>
+            <a:off x="712237" y="1096212"/>
+            <a:ext cx="7744043" cy="464871"/>
+          </a:xfrm>
+          <a:prstGeom prst="rect">
+            <a:avLst/>
+          </a:prstGeom>
+          <a:noFill/>
+        </p:spPr>
+        <p:txBody>
+          <a:bodyPr wrap="none" rtlCol="0">
+            <a:spAutoFit/>
+          </a:bodyPr>
+          <a:lstStyle/>
+          <a:p>
+            <a:pPr>
+              <a:lnSpc>
+                <a:spcPct val="150000"/>
+              </a:lnSpc>
+            </a:pPr>
+            <a:r>
+              <a:rPr lang="en-US" dirty="0">
+                <a:cs typeface="Times New Roman" panose="02020603050405020304" pitchFamily="18" charset="0"/>
+              </a:rPr>
+              <a:t>5</a:t>
+            </a:r>
+            <a:r>
+              <a:rPr lang="id-ID" dirty="0">
+                <a:cs typeface="Times New Roman" panose="02020603050405020304" pitchFamily="18" charset="0"/>
+              </a:rPr>
+              <a:t>.	</a:t>
+            </a:r>
+            <a:r>
+              <a:rPr lang="en-ID" dirty="0">
+                <a:cs typeface="Times New Roman" panose="02020603050405020304" pitchFamily="18" charset="0"/>
+              </a:rPr>
+              <a:t> Is liquor with large volume has a better sales compared with small volume?</a:t>
+            </a:r>
+          </a:p>
+        </p:txBody>
+      </p:sp>
+      <p:pic>
+        <p:nvPicPr>
+          <p:cNvPr id="7" name="Picture 6">
+            <a:extLst>
+              <a:ext uri="{FF2B5EF4-FFF2-40B4-BE49-F238E27FC236}">
+                <a16:creationId xmlns:a16="http://schemas.microsoft.com/office/drawing/2014/main" id="{031AAC21-4D32-D6F7-E3F5-A0F0FEC9CADE}"/>
+              </a:ext>
+            </a:extLst>
+          </p:cNvPr>
+          <p:cNvPicPr>
+            <a:picLocks noChangeAspect="1"/>
+          </p:cNvPicPr>
+          <p:nvPr/>
+        </p:nvPicPr>
+        <p:blipFill>
+          <a:blip r:embed="rId2"/>
+          <a:stretch>
+            <a:fillRect/>
+          </a:stretch>
+        </p:blipFill>
+        <p:spPr>
+          <a:xfrm>
+            <a:off x="1221802" y="2088841"/>
+            <a:ext cx="5361227" cy="3472204"/>
+          </a:xfrm>
+          <a:prstGeom prst="rect">
+            <a:avLst/>
+          </a:prstGeom>
+          <a:ln>
+            <a:solidFill>
+              <a:schemeClr val="tx1"/>
+            </a:solidFill>
+          </a:ln>
+        </p:spPr>
+      </p:pic>
+    </p:spTree>
+    <p:extLst>
+      <p:ext uri="{BB962C8B-B14F-4D97-AF65-F5344CB8AC3E}">
+        <p14:creationId xmlns:p14="http://schemas.microsoft.com/office/powerpoint/2010/main" val="718152328"/>
+      </p:ext>
+    </p:extLst>
+  </p:cSld>
+  <p:clrMapOvr>
+    <a:masterClrMapping/>
+  </p:clrMapOvr>
+</p:sld>
+</file>
+
+<file path=ppt/slides/slide19.xml><?xml version="1.0" encoding="utf-8"?>
 <p:sld xmlns:a="http://schemas.openxmlformats.org/drawingml/2006/main" xmlns:r="http://schemas.openxmlformats.org/officeDocument/2006/relationships" xmlns:p="http://schemas.openxmlformats.org/presentationml/2006/main">
   <p:cSld>
     <p:spTree>
